--- a/ppt 16-9/0195.荣耀归真神.pptx
+++ b/ppt 16-9/0195.荣耀归真神.pptx
@@ -129,7 +129,7 @@
           <p:cNvPr id="2" name="标题 1">
             <a:extLst>
               <a:ext uri="{FF2B5EF4-FFF2-40B4-BE49-F238E27FC236}">
-                <a16:creationId xmlns:a16="http://schemas.microsoft.com/office/drawing/2014/main" id="{FEC452CF-13C2-39F6-9FD6-B350772164E4}"/>
+                <a16:creationId xmlns:a16="http://schemas.microsoft.com/office/drawing/2014/main" id="{8B411706-A4D0-97DC-6723-49DF462DBFEE}"/>
               </a:ext>
             </a:extLst>
           </p:cNvPr>
@@ -166,7 +166,7 @@
           <p:cNvPr id="3" name="副标题 2">
             <a:extLst>
               <a:ext uri="{FF2B5EF4-FFF2-40B4-BE49-F238E27FC236}">
-                <a16:creationId xmlns:a16="http://schemas.microsoft.com/office/drawing/2014/main" id="{D8EDB8C0-1715-DE88-BD99-797A2F029C2C}"/>
+                <a16:creationId xmlns:a16="http://schemas.microsoft.com/office/drawing/2014/main" id="{6970DC17-6401-D99E-7B07-4BEB8715BFB4}"/>
               </a:ext>
             </a:extLst>
           </p:cNvPr>
@@ -236,7 +236,7 @@
           <p:cNvPr id="4" name="日期占位符 3">
             <a:extLst>
               <a:ext uri="{FF2B5EF4-FFF2-40B4-BE49-F238E27FC236}">
-                <a16:creationId xmlns:a16="http://schemas.microsoft.com/office/drawing/2014/main" id="{9A8A002C-D208-538C-2B67-27B2FEE1041D}"/>
+                <a16:creationId xmlns:a16="http://schemas.microsoft.com/office/drawing/2014/main" id="{387676D1-F6FC-E72A-2A7C-63E96CBF1F1A}"/>
               </a:ext>
             </a:extLst>
           </p:cNvPr>
@@ -252,7 +252,7 @@
           <a:bodyPr/>
           <a:lstStyle/>
           <a:p>
-            <a:fld id="{2E4779EC-C0D3-456E-9F8C-ED0596DEEED1}" type="datetimeFigureOut">
+            <a:fld id="{9965A852-911A-497D-88E0-038B818A755A}" type="datetimeFigureOut">
               <a:rPr lang="zh-CN" altLang="en-US" smtClean="0"/>
               <a:t>2024/3/10</a:t>
             </a:fld>
@@ -265,7 +265,7 @@
           <p:cNvPr id="5" name="页脚占位符 4">
             <a:extLst>
               <a:ext uri="{FF2B5EF4-FFF2-40B4-BE49-F238E27FC236}">
-                <a16:creationId xmlns:a16="http://schemas.microsoft.com/office/drawing/2014/main" id="{AFB87B51-B315-2F63-6258-4DA9EE429892}"/>
+                <a16:creationId xmlns:a16="http://schemas.microsoft.com/office/drawing/2014/main" id="{BBD11B7E-BFC2-8678-7F8D-6CD79CC4CC52}"/>
               </a:ext>
             </a:extLst>
           </p:cNvPr>
@@ -290,7 +290,7 @@
           <p:cNvPr id="6" name="灯片编号占位符 5">
             <a:extLst>
               <a:ext uri="{FF2B5EF4-FFF2-40B4-BE49-F238E27FC236}">
-                <a16:creationId xmlns:a16="http://schemas.microsoft.com/office/drawing/2014/main" id="{FBA122BE-F8D6-E7FB-19B3-7C3AF5B275FA}"/>
+                <a16:creationId xmlns:a16="http://schemas.microsoft.com/office/drawing/2014/main" id="{6D2DC5B2-F977-C56B-F6FE-8CFF55F4FAFF}"/>
               </a:ext>
             </a:extLst>
           </p:cNvPr>
@@ -306,7 +306,7 @@
           <a:bodyPr/>
           <a:lstStyle/>
           <a:p>
-            <a:fld id="{424396E8-B792-4172-A86B-2A4F253BB0B2}" type="slidenum">
+            <a:fld id="{E90A71C5-3B41-4D57-949F-634CF913C6C0}" type="slidenum">
               <a:rPr lang="zh-CN" altLang="en-US" smtClean="0"/>
               <a:t>‹#›</a:t>
             </a:fld>
@@ -317,7 +317,7 @@
     </p:spTree>
     <p:extLst>
       <p:ext uri="{BB962C8B-B14F-4D97-AF65-F5344CB8AC3E}">
-        <p14:creationId xmlns:p14="http://schemas.microsoft.com/office/powerpoint/2010/main" val="3522087896"/>
+        <p14:creationId xmlns:p14="http://schemas.microsoft.com/office/powerpoint/2010/main" val="4226949237"/>
       </p:ext>
     </p:extLst>
   </p:cSld>
@@ -349,7 +349,7 @@
           <p:cNvPr id="2" name="标题 1">
             <a:extLst>
               <a:ext uri="{FF2B5EF4-FFF2-40B4-BE49-F238E27FC236}">
-                <a16:creationId xmlns:a16="http://schemas.microsoft.com/office/drawing/2014/main" id="{1572288F-3E46-3F0E-28C4-D9259C8AAC12}"/>
+                <a16:creationId xmlns:a16="http://schemas.microsoft.com/office/drawing/2014/main" id="{00AA9047-A4C0-8A4B-87F1-7610B5C4D410}"/>
               </a:ext>
             </a:extLst>
           </p:cNvPr>
@@ -377,7 +377,7 @@
           <p:cNvPr id="3" name="竖排文字占位符 2">
             <a:extLst>
               <a:ext uri="{FF2B5EF4-FFF2-40B4-BE49-F238E27FC236}">
-                <a16:creationId xmlns:a16="http://schemas.microsoft.com/office/drawing/2014/main" id="{EC8AE21E-1849-54FA-6AAF-EBD10BFF254B}"/>
+                <a16:creationId xmlns:a16="http://schemas.microsoft.com/office/drawing/2014/main" id="{A0C000E7-5073-0896-A442-124DFC50CBBC}"/>
               </a:ext>
             </a:extLst>
           </p:cNvPr>
@@ -434,7 +434,7 @@
           <p:cNvPr id="4" name="日期占位符 3">
             <a:extLst>
               <a:ext uri="{FF2B5EF4-FFF2-40B4-BE49-F238E27FC236}">
-                <a16:creationId xmlns:a16="http://schemas.microsoft.com/office/drawing/2014/main" id="{C4CBFD7B-30F9-2BFD-904E-43F7741EBD23}"/>
+                <a16:creationId xmlns:a16="http://schemas.microsoft.com/office/drawing/2014/main" id="{C7C6B6AB-0737-6177-9C02-A7A950869F0E}"/>
               </a:ext>
             </a:extLst>
           </p:cNvPr>
@@ -450,7 +450,7 @@
           <a:bodyPr/>
           <a:lstStyle/>
           <a:p>
-            <a:fld id="{2E4779EC-C0D3-456E-9F8C-ED0596DEEED1}" type="datetimeFigureOut">
+            <a:fld id="{9965A852-911A-497D-88E0-038B818A755A}" type="datetimeFigureOut">
               <a:rPr lang="zh-CN" altLang="en-US" smtClean="0"/>
               <a:t>2024/3/10</a:t>
             </a:fld>
@@ -463,7 +463,7 @@
           <p:cNvPr id="5" name="页脚占位符 4">
             <a:extLst>
               <a:ext uri="{FF2B5EF4-FFF2-40B4-BE49-F238E27FC236}">
-                <a16:creationId xmlns:a16="http://schemas.microsoft.com/office/drawing/2014/main" id="{695F4BEC-9BC9-2B54-DC38-C544BCB87C92}"/>
+                <a16:creationId xmlns:a16="http://schemas.microsoft.com/office/drawing/2014/main" id="{0A82FE4B-EA6F-0A4D-F037-540B63618B91}"/>
               </a:ext>
             </a:extLst>
           </p:cNvPr>
@@ -488,7 +488,7 @@
           <p:cNvPr id="6" name="灯片编号占位符 5">
             <a:extLst>
               <a:ext uri="{FF2B5EF4-FFF2-40B4-BE49-F238E27FC236}">
-                <a16:creationId xmlns:a16="http://schemas.microsoft.com/office/drawing/2014/main" id="{F7724F95-48D7-22A7-C122-3B5C93A25108}"/>
+                <a16:creationId xmlns:a16="http://schemas.microsoft.com/office/drawing/2014/main" id="{9111378C-49B3-0E72-8A2D-BB70F1C99731}"/>
               </a:ext>
             </a:extLst>
           </p:cNvPr>
@@ -504,7 +504,7 @@
           <a:bodyPr/>
           <a:lstStyle/>
           <a:p>
-            <a:fld id="{424396E8-B792-4172-A86B-2A4F253BB0B2}" type="slidenum">
+            <a:fld id="{E90A71C5-3B41-4D57-949F-634CF913C6C0}" type="slidenum">
               <a:rPr lang="zh-CN" altLang="en-US" smtClean="0"/>
               <a:t>‹#›</a:t>
             </a:fld>
@@ -515,7 +515,7 @@
     </p:spTree>
     <p:extLst>
       <p:ext uri="{BB962C8B-B14F-4D97-AF65-F5344CB8AC3E}">
-        <p14:creationId xmlns:p14="http://schemas.microsoft.com/office/powerpoint/2010/main" val="2914686144"/>
+        <p14:creationId xmlns:p14="http://schemas.microsoft.com/office/powerpoint/2010/main" val="213046139"/>
       </p:ext>
     </p:extLst>
   </p:cSld>
@@ -547,7 +547,7 @@
           <p:cNvPr id="2" name="竖排标题 1">
             <a:extLst>
               <a:ext uri="{FF2B5EF4-FFF2-40B4-BE49-F238E27FC236}">
-                <a16:creationId xmlns:a16="http://schemas.microsoft.com/office/drawing/2014/main" id="{AF59A863-ACBF-6D9F-722C-F5EC45C95F72}"/>
+                <a16:creationId xmlns:a16="http://schemas.microsoft.com/office/drawing/2014/main" id="{F9C4596B-8B80-CD01-B03F-16FD044000E4}"/>
               </a:ext>
             </a:extLst>
           </p:cNvPr>
@@ -580,7 +580,7 @@
           <p:cNvPr id="3" name="竖排文字占位符 2">
             <a:extLst>
               <a:ext uri="{FF2B5EF4-FFF2-40B4-BE49-F238E27FC236}">
-                <a16:creationId xmlns:a16="http://schemas.microsoft.com/office/drawing/2014/main" id="{F3B6B9E0-E881-814B-A1DE-88037BDA9B94}"/>
+                <a16:creationId xmlns:a16="http://schemas.microsoft.com/office/drawing/2014/main" id="{99EB8D5D-1A96-A370-D656-971CDEEC983D}"/>
               </a:ext>
             </a:extLst>
           </p:cNvPr>
@@ -642,7 +642,7 @@
           <p:cNvPr id="4" name="日期占位符 3">
             <a:extLst>
               <a:ext uri="{FF2B5EF4-FFF2-40B4-BE49-F238E27FC236}">
-                <a16:creationId xmlns:a16="http://schemas.microsoft.com/office/drawing/2014/main" id="{C249B7DE-14F9-B4DA-5EB1-BA44CA07C735}"/>
+                <a16:creationId xmlns:a16="http://schemas.microsoft.com/office/drawing/2014/main" id="{5710C59E-FB4B-8453-8B65-E1F071717F2A}"/>
               </a:ext>
             </a:extLst>
           </p:cNvPr>
@@ -658,7 +658,7 @@
           <a:bodyPr/>
           <a:lstStyle/>
           <a:p>
-            <a:fld id="{2E4779EC-C0D3-456E-9F8C-ED0596DEEED1}" type="datetimeFigureOut">
+            <a:fld id="{9965A852-911A-497D-88E0-038B818A755A}" type="datetimeFigureOut">
               <a:rPr lang="zh-CN" altLang="en-US" smtClean="0"/>
               <a:t>2024/3/10</a:t>
             </a:fld>
@@ -671,7 +671,7 @@
           <p:cNvPr id="5" name="页脚占位符 4">
             <a:extLst>
               <a:ext uri="{FF2B5EF4-FFF2-40B4-BE49-F238E27FC236}">
-                <a16:creationId xmlns:a16="http://schemas.microsoft.com/office/drawing/2014/main" id="{3F89CFBF-4C22-EE9A-953A-68CE14DF1F4D}"/>
+                <a16:creationId xmlns:a16="http://schemas.microsoft.com/office/drawing/2014/main" id="{FE062ADD-84CB-7C70-96C2-DFA723FEDC88}"/>
               </a:ext>
             </a:extLst>
           </p:cNvPr>
@@ -696,7 +696,7 @@
           <p:cNvPr id="6" name="灯片编号占位符 5">
             <a:extLst>
               <a:ext uri="{FF2B5EF4-FFF2-40B4-BE49-F238E27FC236}">
-                <a16:creationId xmlns:a16="http://schemas.microsoft.com/office/drawing/2014/main" id="{9D7F9891-33B9-17A8-ED06-14AFF3003FBB}"/>
+                <a16:creationId xmlns:a16="http://schemas.microsoft.com/office/drawing/2014/main" id="{418631B2-CE8B-D863-C010-70C2C6D56E07}"/>
               </a:ext>
             </a:extLst>
           </p:cNvPr>
@@ -712,7 +712,7 @@
           <a:bodyPr/>
           <a:lstStyle/>
           <a:p>
-            <a:fld id="{424396E8-B792-4172-A86B-2A4F253BB0B2}" type="slidenum">
+            <a:fld id="{E90A71C5-3B41-4D57-949F-634CF913C6C0}" type="slidenum">
               <a:rPr lang="zh-CN" altLang="en-US" smtClean="0"/>
               <a:t>‹#›</a:t>
             </a:fld>
@@ -723,7 +723,7 @@
     </p:spTree>
     <p:extLst>
       <p:ext uri="{BB962C8B-B14F-4D97-AF65-F5344CB8AC3E}">
-        <p14:creationId xmlns:p14="http://schemas.microsoft.com/office/powerpoint/2010/main" val="832657464"/>
+        <p14:creationId xmlns:p14="http://schemas.microsoft.com/office/powerpoint/2010/main" val="2972574393"/>
       </p:ext>
     </p:extLst>
   </p:cSld>
@@ -755,7 +755,7 @@
           <p:cNvPr id="2" name="标题 1">
             <a:extLst>
               <a:ext uri="{FF2B5EF4-FFF2-40B4-BE49-F238E27FC236}">
-                <a16:creationId xmlns:a16="http://schemas.microsoft.com/office/drawing/2014/main" id="{4FF6BB0F-BC09-1118-7D8A-BCAA5AA989B0}"/>
+                <a16:creationId xmlns:a16="http://schemas.microsoft.com/office/drawing/2014/main" id="{447ED0F2-C230-1AF4-6A9D-30FDF2467317}"/>
               </a:ext>
             </a:extLst>
           </p:cNvPr>
@@ -783,7 +783,7 @@
           <p:cNvPr id="3" name="内容占位符 2">
             <a:extLst>
               <a:ext uri="{FF2B5EF4-FFF2-40B4-BE49-F238E27FC236}">
-                <a16:creationId xmlns:a16="http://schemas.microsoft.com/office/drawing/2014/main" id="{2962637D-7EC5-8604-9FA6-FC296FCFF7EE}"/>
+                <a16:creationId xmlns:a16="http://schemas.microsoft.com/office/drawing/2014/main" id="{09D0B7E6-BFAC-E1E8-B144-65745A25700B}"/>
               </a:ext>
             </a:extLst>
           </p:cNvPr>
@@ -840,7 +840,7 @@
           <p:cNvPr id="4" name="日期占位符 3">
             <a:extLst>
               <a:ext uri="{FF2B5EF4-FFF2-40B4-BE49-F238E27FC236}">
-                <a16:creationId xmlns:a16="http://schemas.microsoft.com/office/drawing/2014/main" id="{A51553FE-8DD4-BED6-1F02-ECDBB6CBFEC0}"/>
+                <a16:creationId xmlns:a16="http://schemas.microsoft.com/office/drawing/2014/main" id="{ACD36287-D27A-D842-6132-1CC2586EA1CC}"/>
               </a:ext>
             </a:extLst>
           </p:cNvPr>
@@ -856,7 +856,7 @@
           <a:bodyPr/>
           <a:lstStyle/>
           <a:p>
-            <a:fld id="{2E4779EC-C0D3-456E-9F8C-ED0596DEEED1}" type="datetimeFigureOut">
+            <a:fld id="{9965A852-911A-497D-88E0-038B818A755A}" type="datetimeFigureOut">
               <a:rPr lang="zh-CN" altLang="en-US" smtClean="0"/>
               <a:t>2024/3/10</a:t>
             </a:fld>
@@ -869,7 +869,7 @@
           <p:cNvPr id="5" name="页脚占位符 4">
             <a:extLst>
               <a:ext uri="{FF2B5EF4-FFF2-40B4-BE49-F238E27FC236}">
-                <a16:creationId xmlns:a16="http://schemas.microsoft.com/office/drawing/2014/main" id="{2862F897-9759-58AD-6170-CC566C9F8F19}"/>
+                <a16:creationId xmlns:a16="http://schemas.microsoft.com/office/drawing/2014/main" id="{352E3178-6EE0-F497-83BB-8E629E48351C}"/>
               </a:ext>
             </a:extLst>
           </p:cNvPr>
@@ -894,7 +894,7 @@
           <p:cNvPr id="6" name="灯片编号占位符 5">
             <a:extLst>
               <a:ext uri="{FF2B5EF4-FFF2-40B4-BE49-F238E27FC236}">
-                <a16:creationId xmlns:a16="http://schemas.microsoft.com/office/drawing/2014/main" id="{9FF00FFF-1209-718B-007C-4BE211FA5092}"/>
+                <a16:creationId xmlns:a16="http://schemas.microsoft.com/office/drawing/2014/main" id="{B88CB419-CB05-942D-B95B-852D76058044}"/>
               </a:ext>
             </a:extLst>
           </p:cNvPr>
@@ -910,7 +910,7 @@
           <a:bodyPr/>
           <a:lstStyle/>
           <a:p>
-            <a:fld id="{424396E8-B792-4172-A86B-2A4F253BB0B2}" type="slidenum">
+            <a:fld id="{E90A71C5-3B41-4D57-949F-634CF913C6C0}" type="slidenum">
               <a:rPr lang="zh-CN" altLang="en-US" smtClean="0"/>
               <a:t>‹#›</a:t>
             </a:fld>
@@ -921,7 +921,7 @@
     </p:spTree>
     <p:extLst>
       <p:ext uri="{BB962C8B-B14F-4D97-AF65-F5344CB8AC3E}">
-        <p14:creationId xmlns:p14="http://schemas.microsoft.com/office/powerpoint/2010/main" val="29384200"/>
+        <p14:creationId xmlns:p14="http://schemas.microsoft.com/office/powerpoint/2010/main" val="1842109656"/>
       </p:ext>
     </p:extLst>
   </p:cSld>
@@ -953,7 +953,7 @@
           <p:cNvPr id="2" name="标题 1">
             <a:extLst>
               <a:ext uri="{FF2B5EF4-FFF2-40B4-BE49-F238E27FC236}">
-                <a16:creationId xmlns:a16="http://schemas.microsoft.com/office/drawing/2014/main" id="{0AAE0D3B-4329-E851-8AFE-F58ECF12A8B7}"/>
+                <a16:creationId xmlns:a16="http://schemas.microsoft.com/office/drawing/2014/main" id="{97F5F096-EE5C-BA6D-EE4A-0695957EC5D4}"/>
               </a:ext>
             </a:extLst>
           </p:cNvPr>
@@ -990,7 +990,7 @@
           <p:cNvPr id="3" name="文本占位符 2">
             <a:extLst>
               <a:ext uri="{FF2B5EF4-FFF2-40B4-BE49-F238E27FC236}">
-                <a16:creationId xmlns:a16="http://schemas.microsoft.com/office/drawing/2014/main" id="{533317B0-0BC9-6C8F-DCE7-095B911115BA}"/>
+                <a16:creationId xmlns:a16="http://schemas.microsoft.com/office/drawing/2014/main" id="{D0BC97D5-6C77-DB81-7F35-B525FAC17AFF}"/>
               </a:ext>
             </a:extLst>
           </p:cNvPr>
@@ -1115,7 +1115,7 @@
           <p:cNvPr id="4" name="日期占位符 3">
             <a:extLst>
               <a:ext uri="{FF2B5EF4-FFF2-40B4-BE49-F238E27FC236}">
-                <a16:creationId xmlns:a16="http://schemas.microsoft.com/office/drawing/2014/main" id="{41AA3F7A-AF7A-02FC-291F-E190C394A2FD}"/>
+                <a16:creationId xmlns:a16="http://schemas.microsoft.com/office/drawing/2014/main" id="{9003EC71-DB33-0FB0-2E67-8DA688323DAA}"/>
               </a:ext>
             </a:extLst>
           </p:cNvPr>
@@ -1131,7 +1131,7 @@
           <a:bodyPr/>
           <a:lstStyle/>
           <a:p>
-            <a:fld id="{2E4779EC-C0D3-456E-9F8C-ED0596DEEED1}" type="datetimeFigureOut">
+            <a:fld id="{9965A852-911A-497D-88E0-038B818A755A}" type="datetimeFigureOut">
               <a:rPr lang="zh-CN" altLang="en-US" smtClean="0"/>
               <a:t>2024/3/10</a:t>
             </a:fld>
@@ -1144,7 +1144,7 @@
           <p:cNvPr id="5" name="页脚占位符 4">
             <a:extLst>
               <a:ext uri="{FF2B5EF4-FFF2-40B4-BE49-F238E27FC236}">
-                <a16:creationId xmlns:a16="http://schemas.microsoft.com/office/drawing/2014/main" id="{9563F189-A042-21EC-F452-FA0D7ED594D9}"/>
+                <a16:creationId xmlns:a16="http://schemas.microsoft.com/office/drawing/2014/main" id="{964584BF-2A09-E110-BD6C-BF2D6EAB3E57}"/>
               </a:ext>
             </a:extLst>
           </p:cNvPr>
@@ -1169,7 +1169,7 @@
           <p:cNvPr id="6" name="灯片编号占位符 5">
             <a:extLst>
               <a:ext uri="{FF2B5EF4-FFF2-40B4-BE49-F238E27FC236}">
-                <a16:creationId xmlns:a16="http://schemas.microsoft.com/office/drawing/2014/main" id="{F31F7426-C334-025F-F0FE-A9F5D43ADE48}"/>
+                <a16:creationId xmlns:a16="http://schemas.microsoft.com/office/drawing/2014/main" id="{858826FA-FD45-AEEC-0EBB-969508B13CCB}"/>
               </a:ext>
             </a:extLst>
           </p:cNvPr>
@@ -1185,7 +1185,7 @@
           <a:bodyPr/>
           <a:lstStyle/>
           <a:p>
-            <a:fld id="{424396E8-B792-4172-A86B-2A4F253BB0B2}" type="slidenum">
+            <a:fld id="{E90A71C5-3B41-4D57-949F-634CF913C6C0}" type="slidenum">
               <a:rPr lang="zh-CN" altLang="en-US" smtClean="0"/>
               <a:t>‹#›</a:t>
             </a:fld>
@@ -1196,7 +1196,7 @@
     </p:spTree>
     <p:extLst>
       <p:ext uri="{BB962C8B-B14F-4D97-AF65-F5344CB8AC3E}">
-        <p14:creationId xmlns:p14="http://schemas.microsoft.com/office/powerpoint/2010/main" val="2215442838"/>
+        <p14:creationId xmlns:p14="http://schemas.microsoft.com/office/powerpoint/2010/main" val="794173067"/>
       </p:ext>
     </p:extLst>
   </p:cSld>
@@ -1228,7 +1228,7 @@
           <p:cNvPr id="2" name="标题 1">
             <a:extLst>
               <a:ext uri="{FF2B5EF4-FFF2-40B4-BE49-F238E27FC236}">
-                <a16:creationId xmlns:a16="http://schemas.microsoft.com/office/drawing/2014/main" id="{774A3423-882C-2F58-70A2-BCEF3C5D12CC}"/>
+                <a16:creationId xmlns:a16="http://schemas.microsoft.com/office/drawing/2014/main" id="{230A0723-5C63-6095-BD59-EB67E46715A3}"/>
               </a:ext>
             </a:extLst>
           </p:cNvPr>
@@ -1256,7 +1256,7 @@
           <p:cNvPr id="3" name="内容占位符 2">
             <a:extLst>
               <a:ext uri="{FF2B5EF4-FFF2-40B4-BE49-F238E27FC236}">
-                <a16:creationId xmlns:a16="http://schemas.microsoft.com/office/drawing/2014/main" id="{089B0D6D-FE6D-948A-FF2E-DE43AEBB165B}"/>
+                <a16:creationId xmlns:a16="http://schemas.microsoft.com/office/drawing/2014/main" id="{F8E5372A-81DF-2DCB-4AA9-AABC5524C5DD}"/>
               </a:ext>
             </a:extLst>
           </p:cNvPr>
@@ -1318,7 +1318,7 @@
           <p:cNvPr id="4" name="内容占位符 3">
             <a:extLst>
               <a:ext uri="{FF2B5EF4-FFF2-40B4-BE49-F238E27FC236}">
-                <a16:creationId xmlns:a16="http://schemas.microsoft.com/office/drawing/2014/main" id="{9EB72F42-3224-7BDD-B9D5-90C52CC7F9BA}"/>
+                <a16:creationId xmlns:a16="http://schemas.microsoft.com/office/drawing/2014/main" id="{68703BDD-3E11-D9FA-373A-B12106198A87}"/>
               </a:ext>
             </a:extLst>
           </p:cNvPr>
@@ -1380,7 +1380,7 @@
           <p:cNvPr id="5" name="日期占位符 4">
             <a:extLst>
               <a:ext uri="{FF2B5EF4-FFF2-40B4-BE49-F238E27FC236}">
-                <a16:creationId xmlns:a16="http://schemas.microsoft.com/office/drawing/2014/main" id="{81D7C120-9125-F283-A379-80E00E0E590D}"/>
+                <a16:creationId xmlns:a16="http://schemas.microsoft.com/office/drawing/2014/main" id="{BA805486-F8B0-EBA7-42BD-E2832853FA27}"/>
               </a:ext>
             </a:extLst>
           </p:cNvPr>
@@ -1396,7 +1396,7 @@
           <a:bodyPr/>
           <a:lstStyle/>
           <a:p>
-            <a:fld id="{2E4779EC-C0D3-456E-9F8C-ED0596DEEED1}" type="datetimeFigureOut">
+            <a:fld id="{9965A852-911A-497D-88E0-038B818A755A}" type="datetimeFigureOut">
               <a:rPr lang="zh-CN" altLang="en-US" smtClean="0"/>
               <a:t>2024/3/10</a:t>
             </a:fld>
@@ -1409,7 +1409,7 @@
           <p:cNvPr id="6" name="页脚占位符 5">
             <a:extLst>
               <a:ext uri="{FF2B5EF4-FFF2-40B4-BE49-F238E27FC236}">
-                <a16:creationId xmlns:a16="http://schemas.microsoft.com/office/drawing/2014/main" id="{A123BF9B-5A71-7EBF-98E1-648F92845E13}"/>
+                <a16:creationId xmlns:a16="http://schemas.microsoft.com/office/drawing/2014/main" id="{A8E8316B-49EA-1F30-5765-CEA2C5CD57D6}"/>
               </a:ext>
             </a:extLst>
           </p:cNvPr>
@@ -1434,7 +1434,7 @@
           <p:cNvPr id="7" name="灯片编号占位符 6">
             <a:extLst>
               <a:ext uri="{FF2B5EF4-FFF2-40B4-BE49-F238E27FC236}">
-                <a16:creationId xmlns:a16="http://schemas.microsoft.com/office/drawing/2014/main" id="{8BB5324F-8389-8E3B-F1E8-54399B8062EA}"/>
+                <a16:creationId xmlns:a16="http://schemas.microsoft.com/office/drawing/2014/main" id="{523C4A00-00BD-014E-611A-BC77646AFC3E}"/>
               </a:ext>
             </a:extLst>
           </p:cNvPr>
@@ -1450,7 +1450,7 @@
           <a:bodyPr/>
           <a:lstStyle/>
           <a:p>
-            <a:fld id="{424396E8-B792-4172-A86B-2A4F253BB0B2}" type="slidenum">
+            <a:fld id="{E90A71C5-3B41-4D57-949F-634CF913C6C0}" type="slidenum">
               <a:rPr lang="zh-CN" altLang="en-US" smtClean="0"/>
               <a:t>‹#›</a:t>
             </a:fld>
@@ -1461,7 +1461,7 @@
     </p:spTree>
     <p:extLst>
       <p:ext uri="{BB962C8B-B14F-4D97-AF65-F5344CB8AC3E}">
-        <p14:creationId xmlns:p14="http://schemas.microsoft.com/office/powerpoint/2010/main" val="3767591428"/>
+        <p14:creationId xmlns:p14="http://schemas.microsoft.com/office/powerpoint/2010/main" val="3089348370"/>
       </p:ext>
     </p:extLst>
   </p:cSld>
@@ -1493,7 +1493,7 @@
           <p:cNvPr id="2" name="标题 1">
             <a:extLst>
               <a:ext uri="{FF2B5EF4-FFF2-40B4-BE49-F238E27FC236}">
-                <a16:creationId xmlns:a16="http://schemas.microsoft.com/office/drawing/2014/main" id="{8A8EEC34-5BC1-1215-F210-0652D9FF1B52}"/>
+                <a16:creationId xmlns:a16="http://schemas.microsoft.com/office/drawing/2014/main" id="{DF53522E-F44A-859F-DCF7-E316F5481B0B}"/>
               </a:ext>
             </a:extLst>
           </p:cNvPr>
@@ -1526,7 +1526,7 @@
           <p:cNvPr id="3" name="文本占位符 2">
             <a:extLst>
               <a:ext uri="{FF2B5EF4-FFF2-40B4-BE49-F238E27FC236}">
-                <a16:creationId xmlns:a16="http://schemas.microsoft.com/office/drawing/2014/main" id="{8B8533A9-A300-614E-681B-855ABBC2ED52}"/>
+                <a16:creationId xmlns:a16="http://schemas.microsoft.com/office/drawing/2014/main" id="{6B698548-86A9-AB70-5A0A-E56E842FDFCF}"/>
               </a:ext>
             </a:extLst>
           </p:cNvPr>
@@ -1597,7 +1597,7 @@
           <p:cNvPr id="4" name="内容占位符 3">
             <a:extLst>
               <a:ext uri="{FF2B5EF4-FFF2-40B4-BE49-F238E27FC236}">
-                <a16:creationId xmlns:a16="http://schemas.microsoft.com/office/drawing/2014/main" id="{53A1E1B9-5899-1748-61A0-B62F3F3F4B2C}"/>
+                <a16:creationId xmlns:a16="http://schemas.microsoft.com/office/drawing/2014/main" id="{83B52605-F584-862A-6418-112E00041DE1}"/>
               </a:ext>
             </a:extLst>
           </p:cNvPr>
@@ -1659,7 +1659,7 @@
           <p:cNvPr id="5" name="文本占位符 4">
             <a:extLst>
               <a:ext uri="{FF2B5EF4-FFF2-40B4-BE49-F238E27FC236}">
-                <a16:creationId xmlns:a16="http://schemas.microsoft.com/office/drawing/2014/main" id="{3CBB385E-336C-E8E4-0B08-8219CFA52F2B}"/>
+                <a16:creationId xmlns:a16="http://schemas.microsoft.com/office/drawing/2014/main" id="{7E9813DC-AD4C-E2D6-6856-7719A7D764B7}"/>
               </a:ext>
             </a:extLst>
           </p:cNvPr>
@@ -1730,7 +1730,7 @@
           <p:cNvPr id="6" name="内容占位符 5">
             <a:extLst>
               <a:ext uri="{FF2B5EF4-FFF2-40B4-BE49-F238E27FC236}">
-                <a16:creationId xmlns:a16="http://schemas.microsoft.com/office/drawing/2014/main" id="{0D32E00C-B794-93EC-73D1-B9EFB743A83B}"/>
+                <a16:creationId xmlns:a16="http://schemas.microsoft.com/office/drawing/2014/main" id="{A55F7CD2-313B-CF00-7044-7833412F9049}"/>
               </a:ext>
             </a:extLst>
           </p:cNvPr>
@@ -1792,7 +1792,7 @@
           <p:cNvPr id="7" name="日期占位符 6">
             <a:extLst>
               <a:ext uri="{FF2B5EF4-FFF2-40B4-BE49-F238E27FC236}">
-                <a16:creationId xmlns:a16="http://schemas.microsoft.com/office/drawing/2014/main" id="{9A4B1C7A-DC52-EFAE-DE99-83CDAF836AE4}"/>
+                <a16:creationId xmlns:a16="http://schemas.microsoft.com/office/drawing/2014/main" id="{0712CA4B-4843-7E29-CBFC-D6ABBA95F635}"/>
               </a:ext>
             </a:extLst>
           </p:cNvPr>
@@ -1808,7 +1808,7 @@
           <a:bodyPr/>
           <a:lstStyle/>
           <a:p>
-            <a:fld id="{2E4779EC-C0D3-456E-9F8C-ED0596DEEED1}" type="datetimeFigureOut">
+            <a:fld id="{9965A852-911A-497D-88E0-038B818A755A}" type="datetimeFigureOut">
               <a:rPr lang="zh-CN" altLang="en-US" smtClean="0"/>
               <a:t>2024/3/10</a:t>
             </a:fld>
@@ -1821,7 +1821,7 @@
           <p:cNvPr id="8" name="页脚占位符 7">
             <a:extLst>
               <a:ext uri="{FF2B5EF4-FFF2-40B4-BE49-F238E27FC236}">
-                <a16:creationId xmlns:a16="http://schemas.microsoft.com/office/drawing/2014/main" id="{F6F10094-BD69-B475-4C87-B443B5C6EF01}"/>
+                <a16:creationId xmlns:a16="http://schemas.microsoft.com/office/drawing/2014/main" id="{9796D847-BC4D-A067-E2B0-44B1D79F1C82}"/>
               </a:ext>
             </a:extLst>
           </p:cNvPr>
@@ -1846,7 +1846,7 @@
           <p:cNvPr id="9" name="灯片编号占位符 8">
             <a:extLst>
               <a:ext uri="{FF2B5EF4-FFF2-40B4-BE49-F238E27FC236}">
-                <a16:creationId xmlns:a16="http://schemas.microsoft.com/office/drawing/2014/main" id="{10D3E382-65E7-A351-B8E1-F3D909D59AFE}"/>
+                <a16:creationId xmlns:a16="http://schemas.microsoft.com/office/drawing/2014/main" id="{80C8019A-FB24-2C70-8481-5AE4E12661E0}"/>
               </a:ext>
             </a:extLst>
           </p:cNvPr>
@@ -1862,7 +1862,7 @@
           <a:bodyPr/>
           <a:lstStyle/>
           <a:p>
-            <a:fld id="{424396E8-B792-4172-A86B-2A4F253BB0B2}" type="slidenum">
+            <a:fld id="{E90A71C5-3B41-4D57-949F-634CF913C6C0}" type="slidenum">
               <a:rPr lang="zh-CN" altLang="en-US" smtClean="0"/>
               <a:t>‹#›</a:t>
             </a:fld>
@@ -1873,7 +1873,7 @@
     </p:spTree>
     <p:extLst>
       <p:ext uri="{BB962C8B-B14F-4D97-AF65-F5344CB8AC3E}">
-        <p14:creationId xmlns:p14="http://schemas.microsoft.com/office/powerpoint/2010/main" val="2263376323"/>
+        <p14:creationId xmlns:p14="http://schemas.microsoft.com/office/powerpoint/2010/main" val="3365155438"/>
       </p:ext>
     </p:extLst>
   </p:cSld>
@@ -1905,7 +1905,7 @@
           <p:cNvPr id="2" name="标题 1">
             <a:extLst>
               <a:ext uri="{FF2B5EF4-FFF2-40B4-BE49-F238E27FC236}">
-                <a16:creationId xmlns:a16="http://schemas.microsoft.com/office/drawing/2014/main" id="{8C526988-A9BB-7BEE-DF78-2045C2C411D8}"/>
+                <a16:creationId xmlns:a16="http://schemas.microsoft.com/office/drawing/2014/main" id="{11D44141-F5C2-B550-6203-270739F30487}"/>
               </a:ext>
             </a:extLst>
           </p:cNvPr>
@@ -1933,7 +1933,7 @@
           <p:cNvPr id="3" name="日期占位符 2">
             <a:extLst>
               <a:ext uri="{FF2B5EF4-FFF2-40B4-BE49-F238E27FC236}">
-                <a16:creationId xmlns:a16="http://schemas.microsoft.com/office/drawing/2014/main" id="{BD95E420-06AD-9769-2880-E80525970EF6}"/>
+                <a16:creationId xmlns:a16="http://schemas.microsoft.com/office/drawing/2014/main" id="{3981CB15-4F53-9BE1-6CD3-971B0858C7BC}"/>
               </a:ext>
             </a:extLst>
           </p:cNvPr>
@@ -1949,7 +1949,7 @@
           <a:bodyPr/>
           <a:lstStyle/>
           <a:p>
-            <a:fld id="{2E4779EC-C0D3-456E-9F8C-ED0596DEEED1}" type="datetimeFigureOut">
+            <a:fld id="{9965A852-911A-497D-88E0-038B818A755A}" type="datetimeFigureOut">
               <a:rPr lang="zh-CN" altLang="en-US" smtClean="0"/>
               <a:t>2024/3/10</a:t>
             </a:fld>
@@ -1962,7 +1962,7 @@
           <p:cNvPr id="4" name="页脚占位符 3">
             <a:extLst>
               <a:ext uri="{FF2B5EF4-FFF2-40B4-BE49-F238E27FC236}">
-                <a16:creationId xmlns:a16="http://schemas.microsoft.com/office/drawing/2014/main" id="{960BAA50-F9F8-3D15-A7FC-7C01191DBA4A}"/>
+                <a16:creationId xmlns:a16="http://schemas.microsoft.com/office/drawing/2014/main" id="{6FECE8A4-1C65-A5E1-0B8F-CC6951DE2F83}"/>
               </a:ext>
             </a:extLst>
           </p:cNvPr>
@@ -1987,7 +1987,7 @@
           <p:cNvPr id="5" name="灯片编号占位符 4">
             <a:extLst>
               <a:ext uri="{FF2B5EF4-FFF2-40B4-BE49-F238E27FC236}">
-                <a16:creationId xmlns:a16="http://schemas.microsoft.com/office/drawing/2014/main" id="{9F39324C-652C-5B96-68F0-00F5AE9E65EB}"/>
+                <a16:creationId xmlns:a16="http://schemas.microsoft.com/office/drawing/2014/main" id="{AE279C6E-9C5A-73C7-5060-304A4222EF5D}"/>
               </a:ext>
             </a:extLst>
           </p:cNvPr>
@@ -2003,7 +2003,7 @@
           <a:bodyPr/>
           <a:lstStyle/>
           <a:p>
-            <a:fld id="{424396E8-B792-4172-A86B-2A4F253BB0B2}" type="slidenum">
+            <a:fld id="{E90A71C5-3B41-4D57-949F-634CF913C6C0}" type="slidenum">
               <a:rPr lang="zh-CN" altLang="en-US" smtClean="0"/>
               <a:t>‹#›</a:t>
             </a:fld>
@@ -2014,7 +2014,7 @@
     </p:spTree>
     <p:extLst>
       <p:ext uri="{BB962C8B-B14F-4D97-AF65-F5344CB8AC3E}">
-        <p14:creationId xmlns:p14="http://schemas.microsoft.com/office/powerpoint/2010/main" val="1886167449"/>
+        <p14:creationId xmlns:p14="http://schemas.microsoft.com/office/powerpoint/2010/main" val="3245772733"/>
       </p:ext>
     </p:extLst>
   </p:cSld>
@@ -2046,7 +2046,7 @@
           <p:cNvPr id="2" name="日期占位符 1">
             <a:extLst>
               <a:ext uri="{FF2B5EF4-FFF2-40B4-BE49-F238E27FC236}">
-                <a16:creationId xmlns:a16="http://schemas.microsoft.com/office/drawing/2014/main" id="{665EF587-A426-08D7-5993-21C9D6D65AA3}"/>
+                <a16:creationId xmlns:a16="http://schemas.microsoft.com/office/drawing/2014/main" id="{9836BEBF-EE3F-94C7-4288-F6A4185918EF}"/>
               </a:ext>
             </a:extLst>
           </p:cNvPr>
@@ -2062,7 +2062,7 @@
           <a:bodyPr/>
           <a:lstStyle/>
           <a:p>
-            <a:fld id="{2E4779EC-C0D3-456E-9F8C-ED0596DEEED1}" type="datetimeFigureOut">
+            <a:fld id="{9965A852-911A-497D-88E0-038B818A755A}" type="datetimeFigureOut">
               <a:rPr lang="zh-CN" altLang="en-US" smtClean="0"/>
               <a:t>2024/3/10</a:t>
             </a:fld>
@@ -2075,7 +2075,7 @@
           <p:cNvPr id="3" name="页脚占位符 2">
             <a:extLst>
               <a:ext uri="{FF2B5EF4-FFF2-40B4-BE49-F238E27FC236}">
-                <a16:creationId xmlns:a16="http://schemas.microsoft.com/office/drawing/2014/main" id="{0215BE9C-BFEC-52E6-6683-AC6561183B64}"/>
+                <a16:creationId xmlns:a16="http://schemas.microsoft.com/office/drawing/2014/main" id="{2B244CEB-7393-A3CD-393E-F4357CE7FFB8}"/>
               </a:ext>
             </a:extLst>
           </p:cNvPr>
@@ -2100,7 +2100,7 @@
           <p:cNvPr id="4" name="灯片编号占位符 3">
             <a:extLst>
               <a:ext uri="{FF2B5EF4-FFF2-40B4-BE49-F238E27FC236}">
-                <a16:creationId xmlns:a16="http://schemas.microsoft.com/office/drawing/2014/main" id="{28677592-36DD-BA7B-64D0-CEAD277F6912}"/>
+                <a16:creationId xmlns:a16="http://schemas.microsoft.com/office/drawing/2014/main" id="{9F565F78-36C2-DCDD-241B-5652A7A2C880}"/>
               </a:ext>
             </a:extLst>
           </p:cNvPr>
@@ -2116,7 +2116,7 @@
           <a:bodyPr/>
           <a:lstStyle/>
           <a:p>
-            <a:fld id="{424396E8-B792-4172-A86B-2A4F253BB0B2}" type="slidenum">
+            <a:fld id="{E90A71C5-3B41-4D57-949F-634CF913C6C0}" type="slidenum">
               <a:rPr lang="zh-CN" altLang="en-US" smtClean="0"/>
               <a:t>‹#›</a:t>
             </a:fld>
@@ -2127,7 +2127,7 @@
     </p:spTree>
     <p:extLst>
       <p:ext uri="{BB962C8B-B14F-4D97-AF65-F5344CB8AC3E}">
-        <p14:creationId xmlns:p14="http://schemas.microsoft.com/office/powerpoint/2010/main" val="2326475678"/>
+        <p14:creationId xmlns:p14="http://schemas.microsoft.com/office/powerpoint/2010/main" val="1729830174"/>
       </p:ext>
     </p:extLst>
   </p:cSld>
@@ -2159,7 +2159,7 @@
           <p:cNvPr id="2" name="标题 1">
             <a:extLst>
               <a:ext uri="{FF2B5EF4-FFF2-40B4-BE49-F238E27FC236}">
-                <a16:creationId xmlns:a16="http://schemas.microsoft.com/office/drawing/2014/main" id="{6EB0CEA7-701C-26E6-DAA8-030B1D0B076D}"/>
+                <a16:creationId xmlns:a16="http://schemas.microsoft.com/office/drawing/2014/main" id="{83AFAC66-D244-36A6-4F1B-735C12A9A517}"/>
               </a:ext>
             </a:extLst>
           </p:cNvPr>
@@ -2196,7 +2196,7 @@
           <p:cNvPr id="3" name="内容占位符 2">
             <a:extLst>
               <a:ext uri="{FF2B5EF4-FFF2-40B4-BE49-F238E27FC236}">
-                <a16:creationId xmlns:a16="http://schemas.microsoft.com/office/drawing/2014/main" id="{A6E3340E-A1E7-50F2-BE52-46FBD97A4D90}"/>
+                <a16:creationId xmlns:a16="http://schemas.microsoft.com/office/drawing/2014/main" id="{7D67B00F-14DA-E51A-2765-BF1E45035CA5}"/>
               </a:ext>
             </a:extLst>
           </p:cNvPr>
@@ -2286,7 +2286,7 @@
           <p:cNvPr id="4" name="文本占位符 3">
             <a:extLst>
               <a:ext uri="{FF2B5EF4-FFF2-40B4-BE49-F238E27FC236}">
-                <a16:creationId xmlns:a16="http://schemas.microsoft.com/office/drawing/2014/main" id="{51EB8BA0-A5FB-33B0-1B5C-BB0C3741DA19}"/>
+                <a16:creationId xmlns:a16="http://schemas.microsoft.com/office/drawing/2014/main" id="{40EDE43C-DE75-9CA6-25A2-9D362E71CCD2}"/>
               </a:ext>
             </a:extLst>
           </p:cNvPr>
@@ -2357,7 +2357,7 @@
           <p:cNvPr id="5" name="日期占位符 4">
             <a:extLst>
               <a:ext uri="{FF2B5EF4-FFF2-40B4-BE49-F238E27FC236}">
-                <a16:creationId xmlns:a16="http://schemas.microsoft.com/office/drawing/2014/main" id="{85D3B82A-B737-B8A2-3A9B-805A0BBF3FE1}"/>
+                <a16:creationId xmlns:a16="http://schemas.microsoft.com/office/drawing/2014/main" id="{16342D49-02E4-2826-944B-18AE285185FD}"/>
               </a:ext>
             </a:extLst>
           </p:cNvPr>
@@ -2373,7 +2373,7 @@
           <a:bodyPr/>
           <a:lstStyle/>
           <a:p>
-            <a:fld id="{2E4779EC-C0D3-456E-9F8C-ED0596DEEED1}" type="datetimeFigureOut">
+            <a:fld id="{9965A852-911A-497D-88E0-038B818A755A}" type="datetimeFigureOut">
               <a:rPr lang="zh-CN" altLang="en-US" smtClean="0"/>
               <a:t>2024/3/10</a:t>
             </a:fld>
@@ -2386,7 +2386,7 @@
           <p:cNvPr id="6" name="页脚占位符 5">
             <a:extLst>
               <a:ext uri="{FF2B5EF4-FFF2-40B4-BE49-F238E27FC236}">
-                <a16:creationId xmlns:a16="http://schemas.microsoft.com/office/drawing/2014/main" id="{70737265-05F8-C911-829E-3FD6F2074C52}"/>
+                <a16:creationId xmlns:a16="http://schemas.microsoft.com/office/drawing/2014/main" id="{4DF56AEC-7C05-8711-CB4E-DE5B9B70C79F}"/>
               </a:ext>
             </a:extLst>
           </p:cNvPr>
@@ -2411,7 +2411,7 @@
           <p:cNvPr id="7" name="灯片编号占位符 6">
             <a:extLst>
               <a:ext uri="{FF2B5EF4-FFF2-40B4-BE49-F238E27FC236}">
-                <a16:creationId xmlns:a16="http://schemas.microsoft.com/office/drawing/2014/main" id="{643FA03A-E305-E742-161A-11D94E834B21}"/>
+                <a16:creationId xmlns:a16="http://schemas.microsoft.com/office/drawing/2014/main" id="{84F9735C-1710-7678-5715-E7208C42F036}"/>
               </a:ext>
             </a:extLst>
           </p:cNvPr>
@@ -2427,7 +2427,7 @@
           <a:bodyPr/>
           <a:lstStyle/>
           <a:p>
-            <a:fld id="{424396E8-B792-4172-A86B-2A4F253BB0B2}" type="slidenum">
+            <a:fld id="{E90A71C5-3B41-4D57-949F-634CF913C6C0}" type="slidenum">
               <a:rPr lang="zh-CN" altLang="en-US" smtClean="0"/>
               <a:t>‹#›</a:t>
             </a:fld>
@@ -2438,7 +2438,7 @@
     </p:spTree>
     <p:extLst>
       <p:ext uri="{BB962C8B-B14F-4D97-AF65-F5344CB8AC3E}">
-        <p14:creationId xmlns:p14="http://schemas.microsoft.com/office/powerpoint/2010/main" val="4068496032"/>
+        <p14:creationId xmlns:p14="http://schemas.microsoft.com/office/powerpoint/2010/main" val="156321499"/>
       </p:ext>
     </p:extLst>
   </p:cSld>
@@ -2470,7 +2470,7 @@
           <p:cNvPr id="2" name="标题 1">
             <a:extLst>
               <a:ext uri="{FF2B5EF4-FFF2-40B4-BE49-F238E27FC236}">
-                <a16:creationId xmlns:a16="http://schemas.microsoft.com/office/drawing/2014/main" id="{167EF34B-1250-1462-0B4C-36A229AA730A}"/>
+                <a16:creationId xmlns:a16="http://schemas.microsoft.com/office/drawing/2014/main" id="{71A64180-9B02-E5A4-430F-82E2F900F142}"/>
               </a:ext>
             </a:extLst>
           </p:cNvPr>
@@ -2507,7 +2507,7 @@
           <p:cNvPr id="3" name="图片占位符 2">
             <a:extLst>
               <a:ext uri="{FF2B5EF4-FFF2-40B4-BE49-F238E27FC236}">
-                <a16:creationId xmlns:a16="http://schemas.microsoft.com/office/drawing/2014/main" id="{CA046881-343A-6391-DEB6-675CEBABCB30}"/>
+                <a16:creationId xmlns:a16="http://schemas.microsoft.com/office/drawing/2014/main" id="{B78ECF61-E225-4041-7450-1CD86B402048}"/>
               </a:ext>
             </a:extLst>
           </p:cNvPr>
@@ -2574,7 +2574,7 @@
           <p:cNvPr id="4" name="文本占位符 3">
             <a:extLst>
               <a:ext uri="{FF2B5EF4-FFF2-40B4-BE49-F238E27FC236}">
-                <a16:creationId xmlns:a16="http://schemas.microsoft.com/office/drawing/2014/main" id="{87B8F30D-75E2-43E6-685B-5BAD61FFF914}"/>
+                <a16:creationId xmlns:a16="http://schemas.microsoft.com/office/drawing/2014/main" id="{479F97B7-84CD-C6B6-5CE3-9174C40CB804}"/>
               </a:ext>
             </a:extLst>
           </p:cNvPr>
@@ -2645,7 +2645,7 @@
           <p:cNvPr id="5" name="日期占位符 4">
             <a:extLst>
               <a:ext uri="{FF2B5EF4-FFF2-40B4-BE49-F238E27FC236}">
-                <a16:creationId xmlns:a16="http://schemas.microsoft.com/office/drawing/2014/main" id="{A7E810CE-E457-EFB9-557B-923B90C51D5F}"/>
+                <a16:creationId xmlns:a16="http://schemas.microsoft.com/office/drawing/2014/main" id="{57A8E50E-CEB2-04F8-C112-9B11AB45F330}"/>
               </a:ext>
             </a:extLst>
           </p:cNvPr>
@@ -2661,7 +2661,7 @@
           <a:bodyPr/>
           <a:lstStyle/>
           <a:p>
-            <a:fld id="{2E4779EC-C0D3-456E-9F8C-ED0596DEEED1}" type="datetimeFigureOut">
+            <a:fld id="{9965A852-911A-497D-88E0-038B818A755A}" type="datetimeFigureOut">
               <a:rPr lang="zh-CN" altLang="en-US" smtClean="0"/>
               <a:t>2024/3/10</a:t>
             </a:fld>
@@ -2674,7 +2674,7 @@
           <p:cNvPr id="6" name="页脚占位符 5">
             <a:extLst>
               <a:ext uri="{FF2B5EF4-FFF2-40B4-BE49-F238E27FC236}">
-                <a16:creationId xmlns:a16="http://schemas.microsoft.com/office/drawing/2014/main" id="{FA1C88E4-C896-3ECA-D4FC-7D85714A2E98}"/>
+                <a16:creationId xmlns:a16="http://schemas.microsoft.com/office/drawing/2014/main" id="{2A925ABE-1CAE-4C97-3AD2-9D5363C107CB}"/>
               </a:ext>
             </a:extLst>
           </p:cNvPr>
@@ -2699,7 +2699,7 @@
           <p:cNvPr id="7" name="灯片编号占位符 6">
             <a:extLst>
               <a:ext uri="{FF2B5EF4-FFF2-40B4-BE49-F238E27FC236}">
-                <a16:creationId xmlns:a16="http://schemas.microsoft.com/office/drawing/2014/main" id="{7E8153A7-3813-9ECF-CED1-66C4ACFE18AF}"/>
+                <a16:creationId xmlns:a16="http://schemas.microsoft.com/office/drawing/2014/main" id="{4F4B9452-CA7D-033C-29D1-9855C08F9B7E}"/>
               </a:ext>
             </a:extLst>
           </p:cNvPr>
@@ -2715,7 +2715,7 @@
           <a:bodyPr/>
           <a:lstStyle/>
           <a:p>
-            <a:fld id="{424396E8-B792-4172-A86B-2A4F253BB0B2}" type="slidenum">
+            <a:fld id="{E90A71C5-3B41-4D57-949F-634CF913C6C0}" type="slidenum">
               <a:rPr lang="zh-CN" altLang="en-US" smtClean="0"/>
               <a:t>‹#›</a:t>
             </a:fld>
@@ -2726,7 +2726,7 @@
     </p:spTree>
     <p:extLst>
       <p:ext uri="{BB962C8B-B14F-4D97-AF65-F5344CB8AC3E}">
-        <p14:creationId xmlns:p14="http://schemas.microsoft.com/office/powerpoint/2010/main" val="1699187334"/>
+        <p14:creationId xmlns:p14="http://schemas.microsoft.com/office/powerpoint/2010/main" val="740577835"/>
       </p:ext>
     </p:extLst>
   </p:cSld>
@@ -2763,7 +2763,7 @@
           <p:cNvPr id="2" name="标题占位符 1">
             <a:extLst>
               <a:ext uri="{FF2B5EF4-FFF2-40B4-BE49-F238E27FC236}">
-                <a16:creationId xmlns:a16="http://schemas.microsoft.com/office/drawing/2014/main" id="{708C141C-92D2-2858-BD04-82ED0A12519E}"/>
+                <a16:creationId xmlns:a16="http://schemas.microsoft.com/office/drawing/2014/main" id="{CF8FFA6E-ACA7-2923-89EA-86B80B5C9E73}"/>
               </a:ext>
             </a:extLst>
           </p:cNvPr>
@@ -2801,7 +2801,7 @@
           <p:cNvPr id="3" name="文本占位符 2">
             <a:extLst>
               <a:ext uri="{FF2B5EF4-FFF2-40B4-BE49-F238E27FC236}">
-                <a16:creationId xmlns:a16="http://schemas.microsoft.com/office/drawing/2014/main" id="{30F51BAD-6B23-D4F3-AF52-02D2A7BFBFCA}"/>
+                <a16:creationId xmlns:a16="http://schemas.microsoft.com/office/drawing/2014/main" id="{E00B3424-EF3A-E28B-07A6-2C38E47BF085}"/>
               </a:ext>
             </a:extLst>
           </p:cNvPr>
@@ -2868,7 +2868,7 @@
           <p:cNvPr id="4" name="日期占位符 3">
             <a:extLst>
               <a:ext uri="{FF2B5EF4-FFF2-40B4-BE49-F238E27FC236}">
-                <a16:creationId xmlns:a16="http://schemas.microsoft.com/office/drawing/2014/main" id="{A4BF5339-997C-3F27-C7C0-FE15B09095DD}"/>
+                <a16:creationId xmlns:a16="http://schemas.microsoft.com/office/drawing/2014/main" id="{4BD03DDA-7428-1387-3E43-78162B2FDD08}"/>
               </a:ext>
             </a:extLst>
           </p:cNvPr>
@@ -2902,7 +2902,7 @@
             </a:lvl1pPr>
           </a:lstStyle>
           <a:p>
-            <a:fld id="{2E4779EC-C0D3-456E-9F8C-ED0596DEEED1}" type="datetimeFigureOut">
+            <a:fld id="{9965A852-911A-497D-88E0-038B818A755A}" type="datetimeFigureOut">
               <a:rPr lang="zh-CN" altLang="en-US" smtClean="0"/>
               <a:t>2024/3/10</a:t>
             </a:fld>
@@ -2915,7 +2915,7 @@
           <p:cNvPr id="5" name="页脚占位符 4">
             <a:extLst>
               <a:ext uri="{FF2B5EF4-FFF2-40B4-BE49-F238E27FC236}">
-                <a16:creationId xmlns:a16="http://schemas.microsoft.com/office/drawing/2014/main" id="{A008485B-91CC-5F1F-2D6E-C9F4ED996FB4}"/>
+                <a16:creationId xmlns:a16="http://schemas.microsoft.com/office/drawing/2014/main" id="{59E70227-585E-BCCB-7886-6109BE99824F}"/>
               </a:ext>
             </a:extLst>
           </p:cNvPr>
@@ -2958,7 +2958,7 @@
           <p:cNvPr id="6" name="灯片编号占位符 5">
             <a:extLst>
               <a:ext uri="{FF2B5EF4-FFF2-40B4-BE49-F238E27FC236}">
-                <a16:creationId xmlns:a16="http://schemas.microsoft.com/office/drawing/2014/main" id="{C4DCEC7A-A773-B67F-6590-93B4C24FD8B5}"/>
+                <a16:creationId xmlns:a16="http://schemas.microsoft.com/office/drawing/2014/main" id="{6BDB732D-F19D-23F1-6F09-53E67AD4313B}"/>
               </a:ext>
             </a:extLst>
           </p:cNvPr>
@@ -2992,7 +2992,7 @@
             </a:lvl1pPr>
           </a:lstStyle>
           <a:p>
-            <a:fld id="{424396E8-B792-4172-A86B-2A4F253BB0B2}" type="slidenum">
+            <a:fld id="{E90A71C5-3B41-4D57-949F-634CF913C6C0}" type="slidenum">
               <a:rPr lang="zh-CN" altLang="en-US" smtClean="0"/>
               <a:t>‹#›</a:t>
             </a:fld>
@@ -3003,7 +3003,7 @@
     </p:spTree>
     <p:extLst>
       <p:ext uri="{BB962C8B-B14F-4D97-AF65-F5344CB8AC3E}">
-        <p14:creationId xmlns:p14="http://schemas.microsoft.com/office/powerpoint/2010/main" val="149216790"/>
+        <p14:creationId xmlns:p14="http://schemas.microsoft.com/office/powerpoint/2010/main" val="487378715"/>
       </p:ext>
     </p:extLst>
   </p:cSld>
